--- a/Разработка_Веб_Приложения_каталога_книг_на_Java_с_базой.pptx
+++ b/Разработка_Веб_Приложения_каталога_книг_на_Java_с_базой.pptx
@@ -17579,31 +17579,6 @@
       </p:sp>
       <p:sp>
         <p:nvSpPr>
-          <p:cNvPr id="3" name="Объект 2">
-            <a:extLst>
-              <a:ext uri="{FF2B5EF4-FFF2-40B4-BE49-F238E27FC236}">
-                <a16:creationId xmlns:a16="http://schemas.microsoft.com/office/drawing/2014/main" id="{8D80CE3E-7AEB-4E79-A479-0302C3E048E2}"/>
-              </a:ext>
-            </a:extLst>
-          </p:cNvPr>
-          <p:cNvSpPr>
-            <a:spLocks noGrp="1"/>
-          </p:cNvSpPr>
-          <p:nvPr>
-            <p:ph idx="1"/>
-          </p:nvPr>
-        </p:nvSpPr>
-        <p:spPr/>
-        <p:txBody>
-          <a:bodyPr/>
-          <a:lstStyle/>
-          <a:p>
-            <a:endParaRPr lang="ru-RU"/>
-          </a:p>
-        </p:txBody>
-      </p:sp>
-      <p:sp>
-        <p:nvSpPr>
           <p:cNvPr id="4" name="Номер слайда 3">
             <a:extLst>
               <a:ext uri="{FF2B5EF4-FFF2-40B4-BE49-F238E27FC236}">
@@ -17637,6 +17612,36 @@
           </a:p>
         </p:txBody>
       </p:sp>
+      <p:pic>
+        <p:nvPicPr>
+          <p:cNvPr id="6" name="Рисунок 5">
+            <a:extLst>
+              <a:ext uri="{FF2B5EF4-FFF2-40B4-BE49-F238E27FC236}">
+                <a16:creationId xmlns:a16="http://schemas.microsoft.com/office/drawing/2014/main" id="{9EB15345-4E80-4303-A17B-5D66DFE3DCC2}"/>
+              </a:ext>
+            </a:extLst>
+          </p:cNvPr>
+          <p:cNvPicPr>
+            <a:picLocks noChangeAspect="1"/>
+          </p:cNvPicPr>
+          <p:nvPr/>
+        </p:nvPicPr>
+        <p:blipFill>
+          <a:blip r:embed="rId2"/>
+          <a:stretch>
+            <a:fillRect/>
+          </a:stretch>
+        </p:blipFill>
+        <p:spPr>
+          <a:xfrm>
+            <a:off x="417457" y="438356"/>
+            <a:ext cx="11774543" cy="3934374"/>
+          </a:xfrm>
+          <a:prstGeom prst="rect">
+            <a:avLst/>
+          </a:prstGeom>
+        </p:spPr>
+      </p:pic>
     </p:spTree>
     <p:extLst>
       <p:ext uri="{BB962C8B-B14F-4D97-AF65-F5344CB8AC3E}">

--- a/Разработка_Веб_Приложения_каталога_книг_на_Java_с_базой.pptx
+++ b/Разработка_Веб_Приложения_каталога_книг_на_Java_с_базой.pptx
@@ -5,7 +5,7 @@
     <p:sldMasterId id="2147483648" r:id="rId1"/>
   </p:sldMasterIdLst>
   <p:notesMasterIdLst>
-    <p:notesMasterId r:id="rId23"/>
+    <p:notesMasterId r:id="rId22"/>
   </p:notesMasterIdLst>
   <p:sldIdLst>
     <p:sldId id="256" r:id="rId2"/>
@@ -28,7 +28,6 @@
     <p:sldId id="272" r:id="rId19"/>
     <p:sldId id="273" r:id="rId20"/>
     <p:sldId id="274" r:id="rId21"/>
-    <p:sldId id="275" r:id="rId22"/>
   </p:sldIdLst>
   <p:sldSz cx="12192000" cy="6858000"/>
   <p:notesSz cx="6858000" cy="9144000"/>
@@ -14909,42 +14908,10 @@
           <a:bodyPr/>
           <a:lstStyle/>
           <a:p>
-            <a:r>
-              <a:rPr lang="ru-RU" dirty="0"/>
-              <a:t>ДОПИЛИТЬ АААААААА</a:t>
-            </a:r>
+            <a:endParaRPr lang="ru-RU" dirty="0"/>
           </a:p>
         </p:txBody>
       </p:sp>
-      <p:pic>
-        <p:nvPicPr>
-          <p:cNvPr id="5" name="Объект 4">
-            <a:extLst>
-              <a:ext uri="{FF2B5EF4-FFF2-40B4-BE49-F238E27FC236}">
-                <a16:creationId xmlns:a16="http://schemas.microsoft.com/office/drawing/2014/main" id="{00809B73-0907-4104-86EE-4AD11284838C}"/>
-              </a:ext>
-            </a:extLst>
-          </p:cNvPr>
-          <p:cNvPicPr>
-            <a:picLocks noGrp="1" noChangeAspect="1"/>
-          </p:cNvPicPr>
-          <p:nvPr>
-            <p:ph idx="1"/>
-          </p:nvPr>
-        </p:nvPicPr>
-        <p:blipFill>
-          <a:blip r:embed="rId2"/>
-          <a:stretch>
-            <a:fillRect/>
-          </a:stretch>
-        </p:blipFill>
-        <p:spPr>
-          <a:xfrm>
-            <a:off x="2089240" y="2315633"/>
-            <a:ext cx="8013520" cy="4000500"/>
-          </a:xfrm>
-        </p:spPr>
-      </p:pic>
       <p:sp>
         <p:nvSpPr>
           <p:cNvPr id="3" name="Номер слайда 2">
@@ -14961,7 +14928,12 @@
             <p:ph type="sldNum" sz="quarter" idx="12"/>
           </p:nvPr>
         </p:nvSpPr>
-        <p:spPr/>
+        <p:spPr>
+          <a:xfrm>
+            <a:off x="10352540" y="0"/>
+            <a:ext cx="838199" cy="545284"/>
+          </a:xfrm>
+        </p:spPr>
         <p:txBody>
           <a:bodyPr/>
           <a:lstStyle/>
@@ -14975,6 +14947,36 @@
           </a:p>
         </p:txBody>
       </p:sp>
+      <p:pic>
+        <p:nvPicPr>
+          <p:cNvPr id="10" name="Рисунок 9">
+            <a:extLst>
+              <a:ext uri="{FF2B5EF4-FFF2-40B4-BE49-F238E27FC236}">
+                <a16:creationId xmlns:a16="http://schemas.microsoft.com/office/drawing/2014/main" id="{79B106FE-80B0-4390-97A4-004F497330B0}"/>
+              </a:ext>
+            </a:extLst>
+          </p:cNvPr>
+          <p:cNvPicPr>
+            <a:picLocks noChangeAspect="1"/>
+          </p:cNvPicPr>
+          <p:nvPr/>
+        </p:nvPicPr>
+        <p:blipFill>
+          <a:blip r:embed="rId2"/>
+          <a:stretch>
+            <a:fillRect/>
+          </a:stretch>
+        </p:blipFill>
+        <p:spPr>
+          <a:xfrm>
+            <a:off x="0" y="461394"/>
+            <a:ext cx="12192000" cy="6396605"/>
+          </a:xfrm>
+          <a:prstGeom prst="rect">
+            <a:avLst/>
+          </a:prstGeom>
+        </p:spPr>
+      </p:pic>
     </p:spTree>
     <p:extLst>
       <p:ext uri="{BB962C8B-B14F-4D97-AF65-F5344CB8AC3E}">
@@ -16046,7 +16048,12 @@
             <p:ph type="title"/>
           </p:nvPr>
         </p:nvSpPr>
-        <p:spPr/>
+        <p:spPr>
+          <a:xfrm>
+            <a:off x="1187076" y="484718"/>
+            <a:ext cx="8761413" cy="706964"/>
+          </a:xfrm>
+        </p:spPr>
         <p:txBody>
           <a:bodyPr/>
           <a:lstStyle/>
@@ -16055,31 +16062,6 @@
               <a:rPr lang="ru-RU" dirty="0"/>
               <a:t>Итоговый продукт</a:t>
             </a:r>
-          </a:p>
-        </p:txBody>
-      </p:sp>
-      <p:sp>
-        <p:nvSpPr>
-          <p:cNvPr id="3" name="Объект 2">
-            <a:extLst>
-              <a:ext uri="{FF2B5EF4-FFF2-40B4-BE49-F238E27FC236}">
-                <a16:creationId xmlns:a16="http://schemas.microsoft.com/office/drawing/2014/main" id="{F8E8E9C0-04EE-4638-9031-E4FEBBC01101}"/>
-              </a:ext>
-            </a:extLst>
-          </p:cNvPr>
-          <p:cNvSpPr>
-            <a:spLocks noGrp="1"/>
-          </p:cNvSpPr>
-          <p:nvPr>
-            <p:ph idx="1"/>
-          </p:nvPr>
-        </p:nvSpPr>
-        <p:spPr/>
-        <p:txBody>
-          <a:bodyPr/>
-          <a:lstStyle/>
-          <a:p>
-            <a:endParaRPr lang="ru-RU"/>
           </a:p>
         </p:txBody>
       </p:sp>
@@ -16113,151 +16095,70 @@
           </a:p>
         </p:txBody>
       </p:sp>
+      <p:pic>
+        <p:nvPicPr>
+          <p:cNvPr id="6" name="Рисунок 5">
+            <a:extLst>
+              <a:ext uri="{FF2B5EF4-FFF2-40B4-BE49-F238E27FC236}">
+                <a16:creationId xmlns:a16="http://schemas.microsoft.com/office/drawing/2014/main" id="{9605B647-C856-4985-B844-FBBFD0CAB03E}"/>
+              </a:ext>
+            </a:extLst>
+          </p:cNvPr>
+          <p:cNvPicPr>
+            <a:picLocks noChangeAspect="1"/>
+          </p:cNvPicPr>
+          <p:nvPr/>
+        </p:nvPicPr>
+        <p:blipFill>
+          <a:blip r:embed="rId2"/>
+          <a:stretch>
+            <a:fillRect/>
+          </a:stretch>
+        </p:blipFill>
+        <p:spPr>
+          <a:xfrm>
+            <a:off x="461861" y="1451296"/>
+            <a:ext cx="5634139" cy="4609750"/>
+          </a:xfrm>
+          <a:prstGeom prst="rect">
+            <a:avLst/>
+          </a:prstGeom>
+        </p:spPr>
+      </p:pic>
+      <p:pic>
+        <p:nvPicPr>
+          <p:cNvPr id="8" name="Рисунок 7">
+            <a:extLst>
+              <a:ext uri="{FF2B5EF4-FFF2-40B4-BE49-F238E27FC236}">
+                <a16:creationId xmlns:a16="http://schemas.microsoft.com/office/drawing/2014/main" id="{88D45F95-87F5-4383-9A59-8FFAB9C286EF}"/>
+              </a:ext>
+            </a:extLst>
+          </p:cNvPr>
+          <p:cNvPicPr>
+            <a:picLocks noChangeAspect="1"/>
+          </p:cNvPicPr>
+          <p:nvPr/>
+        </p:nvPicPr>
+        <p:blipFill>
+          <a:blip r:embed="rId3"/>
+          <a:stretch>
+            <a:fillRect/>
+          </a:stretch>
+        </p:blipFill>
+        <p:spPr>
+          <a:xfrm>
+            <a:off x="6515651" y="1451296"/>
+            <a:ext cx="5214488" cy="5087923"/>
+          </a:xfrm>
+          <a:prstGeom prst="rect">
+            <a:avLst/>
+          </a:prstGeom>
+        </p:spPr>
+      </p:pic>
     </p:spTree>
     <p:extLst>
       <p:ext uri="{BB962C8B-B14F-4D97-AF65-F5344CB8AC3E}">
         <p14:creationId xmlns:p14="http://schemas.microsoft.com/office/powerpoint/2010/main" val="870653784"/>
-      </p:ext>
-    </p:extLst>
-  </p:cSld>
-  <p:clrMapOvr>
-    <a:masterClrMapping/>
-  </p:clrMapOvr>
-</p:sld>
-</file>
-
-<file path=ppt/slides/slide21.xml><?xml version="1.0" encoding="utf-8"?>
-<p:sld xmlns:a="http://schemas.openxmlformats.org/drawingml/2006/main" xmlns:r="http://schemas.openxmlformats.org/officeDocument/2006/relationships" xmlns:p="http://schemas.openxmlformats.org/presentationml/2006/main">
-  <p:cSld>
-    <p:spTree>
-      <p:nvGrpSpPr>
-        <p:cNvPr id="1" name=""/>
-        <p:cNvGrpSpPr/>
-        <p:nvPr/>
-      </p:nvGrpSpPr>
-      <p:grpSpPr>
-        <a:xfrm>
-          <a:off x="0" y="0"/>
-          <a:ext cx="0" cy="0"/>
-          <a:chOff x="0" y="0"/>
-          <a:chExt cx="0" cy="0"/>
-        </a:xfrm>
-      </p:grpSpPr>
-      <p:sp>
-        <p:nvSpPr>
-          <p:cNvPr id="2" name="Заголовок 1">
-            <a:extLst>
-              <a:ext uri="{FF2B5EF4-FFF2-40B4-BE49-F238E27FC236}">
-                <a16:creationId xmlns:a16="http://schemas.microsoft.com/office/drawing/2014/main" id="{CC4C2F96-DD2A-4368-96C8-3DBABEA4F5D0}"/>
-              </a:ext>
-            </a:extLst>
-          </p:cNvPr>
-          <p:cNvSpPr>
-            <a:spLocks noGrp="1"/>
-          </p:cNvSpPr>
-          <p:nvPr>
-            <p:ph type="title"/>
-          </p:nvPr>
-        </p:nvSpPr>
-        <p:spPr/>
-        <p:txBody>
-          <a:bodyPr/>
-          <a:lstStyle/>
-          <a:p>
-            <a:endParaRPr lang="ru-RU"/>
-          </a:p>
-        </p:txBody>
-      </p:sp>
-      <p:sp>
-        <p:nvSpPr>
-          <p:cNvPr id="3" name="Объект 2">
-            <a:extLst>
-              <a:ext uri="{FF2B5EF4-FFF2-40B4-BE49-F238E27FC236}">
-                <a16:creationId xmlns:a16="http://schemas.microsoft.com/office/drawing/2014/main" id="{F8E8E9C0-04EE-4638-9031-E4FEBBC01101}"/>
-              </a:ext>
-            </a:extLst>
-          </p:cNvPr>
-          <p:cNvSpPr>
-            <a:spLocks noGrp="1"/>
-          </p:cNvSpPr>
-          <p:nvPr>
-            <p:ph idx="1"/>
-          </p:nvPr>
-        </p:nvSpPr>
-        <p:spPr>
-          <a:xfrm>
-            <a:off x="1683170" y="3429000"/>
-            <a:ext cx="8825659" cy="1617133"/>
-          </a:xfrm>
-        </p:spPr>
-        <p:txBody>
-          <a:bodyPr>
-            <a:normAutofit/>
-          </a:bodyPr>
-          <a:lstStyle/>
-          <a:p>
-            <a:pPr marL="0" indent="0" algn="ctr">
-              <a:buNone/>
-            </a:pPr>
-            <a:r>
-              <a:rPr lang="ru-RU" sz="4800" dirty="0"/>
-              <a:t>На этом работа закончена.</a:t>
-            </a:r>
-          </a:p>
-          <a:p>
-            <a:pPr marL="0" indent="0">
-              <a:buNone/>
-            </a:pPr>
-            <a:endParaRPr lang="ru-RU" sz="4800" dirty="0"/>
-          </a:p>
-          <a:p>
-            <a:pPr marL="0" indent="0">
-              <a:buNone/>
-            </a:pPr>
-            <a:endParaRPr lang="ru-RU" sz="4800" dirty="0"/>
-          </a:p>
-          <a:p>
-            <a:pPr marL="0" indent="0" algn="ctr">
-              <a:buNone/>
-            </a:pPr>
-            <a:endParaRPr lang="ru-RU" sz="4800" dirty="0"/>
-          </a:p>
-        </p:txBody>
-      </p:sp>
-      <p:sp>
-        <p:nvSpPr>
-          <p:cNvPr id="4" name="Номер слайда 3">
-            <a:extLst>
-              <a:ext uri="{FF2B5EF4-FFF2-40B4-BE49-F238E27FC236}">
-                <a16:creationId xmlns:a16="http://schemas.microsoft.com/office/drawing/2014/main" id="{3DA5739F-1C1E-4BBA-B53E-111CDCE0F9D2}"/>
-              </a:ext>
-            </a:extLst>
-          </p:cNvPr>
-          <p:cNvSpPr>
-            <a:spLocks noGrp="1"/>
-          </p:cNvSpPr>
-          <p:nvPr>
-            <p:ph type="sldNum" sz="quarter" idx="12"/>
-          </p:nvPr>
-        </p:nvSpPr>
-        <p:spPr/>
-        <p:txBody>
-          <a:bodyPr/>
-          <a:lstStyle/>
-          <a:p>
-            <a:fld id="{D57F1E4F-1CFF-5643-939E-217C01CDF565}" type="slidenum">
-              <a:rPr lang="en-US" smtClean="0"/>
-              <a:pPr/>
-              <a:t>21</a:t>
-            </a:fld>
-            <a:endParaRPr lang="en-US" dirty="0"/>
-          </a:p>
-        </p:txBody>
-      </p:sp>
-    </p:spTree>
-    <p:extLst>
-      <p:ext uri="{BB962C8B-B14F-4D97-AF65-F5344CB8AC3E}">
-        <p14:creationId xmlns:p14="http://schemas.microsoft.com/office/powerpoint/2010/main" val="4270632093"/>
       </p:ext>
     </p:extLst>
   </p:cSld>
